--- a/GSync v2 Protocol Presentation.pptx
+++ b/GSync v2 Protocol Presentation.pptx
@@ -1439,7 +1439,7 @@
           <a:p>
             <a:fld id="{C764DE79-268F-4C1A-8933-263129D2AF90}" type="datetimeFigureOut">
               <a:rPr lang="en-US" smtClean="0"/>
-              <a:t>23/12/2025</a:t>
+              <a:t>24/12/2025</a:t>
             </a:fld>
             <a:endParaRPr lang="en-US" dirty="0"/>
           </a:p>
@@ -1610,7 +1610,7 @@
           <a:p>
             <a:fld id="{C764DE79-268F-4C1A-8933-263129D2AF90}" type="datetimeFigureOut">
               <a:rPr lang="en-US" smtClean="0"/>
-              <a:t>23/12/2025</a:t>
+              <a:t>24/12/2025</a:t>
             </a:fld>
             <a:endParaRPr lang="en-US" dirty="0"/>
           </a:p>
@@ -1791,7 +1791,7 @@
           <a:p>
             <a:fld id="{C764DE79-268F-4C1A-8933-263129D2AF90}" type="datetimeFigureOut">
               <a:rPr lang="en-US" smtClean="0"/>
-              <a:t>23/12/2025</a:t>
+              <a:t>24/12/2025</a:t>
             </a:fld>
             <a:endParaRPr lang="en-US" dirty="0"/>
           </a:p>
@@ -1997,7 +1997,7 @@
           <a:p>
             <a:fld id="{C764DE79-268F-4C1A-8933-263129D2AF90}" type="datetimeFigureOut">
               <a:rPr lang="en-US" smtClean="0"/>
-              <a:t>23/12/2025</a:t>
+              <a:t>24/12/2025</a:t>
             </a:fld>
             <a:endParaRPr lang="en-US" dirty="0"/>
           </a:p>
@@ -2244,7 +2244,7 @@
           <a:p>
             <a:fld id="{C764DE79-268F-4C1A-8933-263129D2AF90}" type="datetimeFigureOut">
               <a:rPr lang="en-US" smtClean="0"/>
-              <a:t>23/12/2025</a:t>
+              <a:t>24/12/2025</a:t>
             </a:fld>
             <a:endParaRPr lang="en-US" dirty="0"/>
           </a:p>
@@ -2477,7 +2477,7 @@
           <a:p>
             <a:fld id="{C764DE79-268F-4C1A-8933-263129D2AF90}" type="datetimeFigureOut">
               <a:rPr lang="en-US" smtClean="0"/>
-              <a:t>23/12/2025</a:t>
+              <a:t>24/12/2025</a:t>
             </a:fld>
             <a:endParaRPr lang="en-US" dirty="0"/>
           </a:p>
@@ -2845,7 +2845,7 @@
           <a:p>
             <a:fld id="{C764DE79-268F-4C1A-8933-263129D2AF90}" type="datetimeFigureOut">
               <a:rPr lang="en-US" smtClean="0"/>
-              <a:t>23/12/2025</a:t>
+              <a:t>24/12/2025</a:t>
             </a:fld>
             <a:endParaRPr lang="en-US" dirty="0"/>
           </a:p>
@@ -2964,7 +2964,7 @@
           <a:p>
             <a:fld id="{C764DE79-268F-4C1A-8933-263129D2AF90}" type="datetimeFigureOut">
               <a:rPr lang="en-US" smtClean="0"/>
-              <a:t>23/12/2025</a:t>
+              <a:t>24/12/2025</a:t>
             </a:fld>
             <a:endParaRPr lang="en-US" dirty="0"/>
           </a:p>
@@ -3060,7 +3060,7 @@
           <a:p>
             <a:fld id="{C764DE79-268F-4C1A-8933-263129D2AF90}" type="datetimeFigureOut">
               <a:rPr lang="en-US" smtClean="0"/>
-              <a:t>23/12/2025</a:t>
+              <a:t>24/12/2025</a:t>
             </a:fld>
             <a:endParaRPr lang="en-US" dirty="0"/>
           </a:p>
@@ -3338,7 +3338,7 @@
           <a:p>
             <a:fld id="{C764DE79-268F-4C1A-8933-263129D2AF90}" type="datetimeFigureOut">
               <a:rPr lang="en-US" smtClean="0"/>
-              <a:t>23/12/2025</a:t>
+              <a:t>24/12/2025</a:t>
             </a:fld>
             <a:endParaRPr lang="en-US" dirty="0"/>
           </a:p>
@@ -3596,7 +3596,7 @@
           <a:p>
             <a:fld id="{C764DE79-268F-4C1A-8933-263129D2AF90}" type="datetimeFigureOut">
               <a:rPr lang="en-US" smtClean="0"/>
-              <a:t>23/12/2025</a:t>
+              <a:t>24/12/2025</a:t>
             </a:fld>
             <a:endParaRPr lang="en-US" dirty="0"/>
           </a:p>
@@ -3810,7 +3810,7 @@
           <a:p>
             <a:fld id="{C764DE79-268F-4C1A-8933-263129D2AF90}" type="datetimeFigureOut">
               <a:rPr lang="en-US" smtClean="0"/>
-              <a:t>23/12/2025</a:t>
+              <a:t>24/12/2025</a:t>
             </a:fld>
             <a:endParaRPr lang="en-US" dirty="0"/>
           </a:p>
@@ -4553,6 +4553,18 @@
   <p:clrMapOvr>
     <a:masterClrMapping/>
   </p:clrMapOvr>
+  <mc:AlternateContent xmlns:mc="http://schemas.openxmlformats.org/markup-compatibility/2006">
+    <mc:Choice xmlns:p14="http://schemas.microsoft.com/office/powerpoint/2010/main" Requires="p14">
+      <p:transition spd="med" p14:dur="700">
+        <p:fade/>
+      </p:transition>
+    </mc:Choice>
+    <mc:Fallback>
+      <p:transition spd="med">
+        <p:fade/>
+      </p:transition>
+    </mc:Fallback>
+  </mc:AlternateContent>
 </p:sld>
 </file>
 
@@ -5200,6 +5212,18 @@
   <p:clrMapOvr>
     <a:masterClrMapping/>
   </p:clrMapOvr>
+  <mc:AlternateContent xmlns:mc="http://schemas.openxmlformats.org/markup-compatibility/2006">
+    <mc:Choice xmlns:p14="http://schemas.microsoft.com/office/powerpoint/2010/main" Requires="p14">
+      <p:transition spd="med" p14:dur="700">
+        <p:fade/>
+      </p:transition>
+    </mc:Choice>
+    <mc:Fallback>
+      <p:transition spd="med">
+        <p:fade/>
+      </p:transition>
+    </mc:Fallback>
+  </mc:AlternateContent>
 </p:sld>
 </file>
 
@@ -5820,6 +5844,18 @@
   <p:clrMapOvr>
     <a:overrideClrMapping bg1="lt1" tx1="dk1" bg2="lt2" tx2="dk2" accent1="accent1" accent2="accent2" accent3="accent3" accent4="accent4" accent5="accent5" accent6="accent6" hlink="hlink" folHlink="folHlink"/>
   </p:clrMapOvr>
+  <mc:AlternateContent xmlns:mc="http://schemas.openxmlformats.org/markup-compatibility/2006">
+    <mc:Choice xmlns:p14="http://schemas.microsoft.com/office/powerpoint/2010/main" Requires="p14">
+      <p:transition spd="med" p14:dur="700">
+        <p:fade/>
+      </p:transition>
+    </mc:Choice>
+    <mc:Fallback>
+      <p:transition spd="med">
+        <p:fade/>
+      </p:transition>
+    </mc:Fallback>
+  </mc:AlternateContent>
 </p:sld>
 </file>
 
@@ -6077,6 +6113,18 @@
   <p:clrMapOvr>
     <a:masterClrMapping/>
   </p:clrMapOvr>
+  <mc:AlternateContent xmlns:mc="http://schemas.openxmlformats.org/markup-compatibility/2006">
+    <mc:Choice xmlns:p14="http://schemas.microsoft.com/office/powerpoint/2010/main" Requires="p14">
+      <p:transition spd="med" p14:dur="700">
+        <p:fade/>
+      </p:transition>
+    </mc:Choice>
+    <mc:Fallback>
+      <p:transition spd="med">
+        <p:fade/>
+      </p:transition>
+    </mc:Fallback>
+  </mc:AlternateContent>
 </p:sld>
 </file>
 
@@ -6155,8 +6203,8 @@
         </p:nvSpPr>
         <p:spPr>
           <a:xfrm>
-            <a:off x="2651733" y="2687957"/>
-            <a:ext cx="3840416" cy="266700"/>
+            <a:off x="154745" y="2687957"/>
+            <a:ext cx="8848578" cy="266700"/>
           </a:xfrm>
           <a:prstGeom prst="rect">
             <a:avLst/>
@@ -6168,14 +6216,13 @@
           <a:bodyPr wrap="square" lIns="0" tIns="0" rIns="0" bIns="0" rtlCol="0" anchor="t"/>
           <a:lstStyle/>
           <a:p>
-            <a:pPr marL="0" indent="0" algn="ctr">
+            <a:pPr algn="ctr">
               <a:lnSpc>
                 <a:spcPts val="2100"/>
               </a:lnSpc>
-              <a:buNone/>
             </a:pPr>
             <a:r>
-              <a:rPr lang="en-US" sz="1500">
+              <a:rPr lang="en-US" sz="1500" dirty="0">
                 <a:solidFill>
                   <a:srgbClr val="CBD5E1"/>
                 </a:solidFill>
@@ -6183,7 +6230,7 @@
                 <a:ea typeface="Arial" pitchFamily="34" charset="-122"/>
                 <a:cs typeface="Arial" pitchFamily="34" charset="-120"/>
               </a:rPr>
-              <a:t>Technical Report • Results Data • Live Demo</a:t>
+              <a:t>Repo link: https://github.com/mo7amedmengasu/Grid-Clash-networking_project-.git</a:t>
             </a:r>
             <a:endParaRPr lang="en-US" sz="1500" dirty="0"/>
           </a:p>
@@ -6197,7 +6244,7 @@
         </p:nvSpPr>
         <p:spPr>
           <a:xfrm>
-            <a:off x="2492884" y="3259457"/>
+            <a:off x="2499977" y="3941741"/>
             <a:ext cx="4158113" cy="186690"/>
           </a:xfrm>
           <a:prstGeom prst="rect">
@@ -6217,7 +6264,7 @@
               <a:buNone/>
             </a:pPr>
             <a:r>
-              <a:rPr lang="en-US" sz="1050">
+              <a:rPr lang="en-US" sz="1050" dirty="0" err="1">
                 <a:solidFill>
                   <a:srgbClr val="94A3B8"/>
                 </a:solidFill>
@@ -6225,9 +6272,65 @@
                 <a:ea typeface="Arial" pitchFamily="34" charset="-122"/>
                 <a:cs typeface="Arial" pitchFamily="34" charset="-120"/>
               </a:rPr>
-              <a:t>GSync v2 Team | CSE361: Computer Networks | December 23, 2025</a:t>
+              <a:t>GSync</a:t>
+            </a:r>
+            <a:r>
+              <a:rPr lang="en-US" sz="1050" dirty="0">
+                <a:solidFill>
+                  <a:srgbClr val="94A3B8"/>
+                </a:solidFill>
+                <a:latin typeface="Arial" pitchFamily="34" charset="0"/>
+                <a:ea typeface="Arial" pitchFamily="34" charset="-122"/>
+                <a:cs typeface="Arial" pitchFamily="34" charset="-120"/>
+              </a:rPr>
+              <a:t> v2 Team | CSE361: Computer Networks | December 23, 2025</a:t>
             </a:r>
             <a:endParaRPr lang="en-US" sz="1050" dirty="0"/>
+          </a:p>
+        </p:txBody>
+      </p:sp>
+      <p:sp>
+        <p:nvSpPr>
+          <p:cNvPr id="5" name="Text 1">
+            <a:extLst>
+              <a:ext uri="{FF2B5EF4-FFF2-40B4-BE49-F238E27FC236}">
+                <a16:creationId xmlns:a16="http://schemas.microsoft.com/office/drawing/2014/main" id="{4B6CD56F-BB1D-5DD1-9760-61AF2525F1A5}"/>
+              </a:ext>
+            </a:extLst>
+          </p:cNvPr>
+          <p:cNvSpPr/>
+          <p:nvPr/>
+        </p:nvSpPr>
+        <p:spPr>
+          <a:xfrm>
+            <a:off x="154745" y="3048149"/>
+            <a:ext cx="8848578" cy="266700"/>
+          </a:xfrm>
+          <a:prstGeom prst="rect">
+            <a:avLst/>
+          </a:prstGeom>
+          <a:noFill/>
+          <a:ln/>
+        </p:spPr>
+        <p:txBody>
+          <a:bodyPr wrap="square" lIns="0" tIns="0" rIns="0" bIns="0" rtlCol="0" anchor="t"/>
+          <a:lstStyle/>
+          <a:p>
+            <a:pPr algn="ctr">
+              <a:lnSpc>
+                <a:spcPts val="2100"/>
+              </a:lnSpc>
+            </a:pPr>
+            <a:r>
+              <a:rPr lang="en-US" sz="1500" dirty="0">
+                <a:solidFill>
+                  <a:srgbClr val="CBD5E1"/>
+                </a:solidFill>
+                <a:latin typeface="Arial" pitchFamily="34" charset="0"/>
+                <a:cs typeface="Arial" pitchFamily="34" charset="-120"/>
+              </a:rPr>
+              <a:t>Demo video link: https://youtu.be/vrWtwm25VR4</a:t>
+            </a:r>
           </a:p>
         </p:txBody>
       </p:sp>
@@ -6236,6 +6339,18 @@
   <p:clrMapOvr>
     <a:masterClrMapping/>
   </p:clrMapOvr>
+  <mc:AlternateContent xmlns:mc="http://schemas.openxmlformats.org/markup-compatibility/2006">
+    <mc:Choice xmlns:p14="http://schemas.microsoft.com/office/powerpoint/2010/main" Requires="p14">
+      <p:transition spd="med" p14:dur="700">
+        <p:fade/>
+      </p:transition>
+    </mc:Choice>
+    <mc:Fallback>
+      <p:transition spd="med">
+        <p:fade/>
+      </p:transition>
+    </mc:Fallback>
+  </mc:AlternateContent>
 </p:sld>
 </file>
 
@@ -6601,6 +6716,18 @@
   <p:clrMapOvr>
     <a:masterClrMapping/>
   </p:clrMapOvr>
+  <mc:AlternateContent xmlns:mc="http://schemas.openxmlformats.org/markup-compatibility/2006">
+    <mc:Choice xmlns:p14="http://schemas.microsoft.com/office/powerpoint/2010/main" Requires="p14">
+      <p:transition spd="med" p14:dur="700">
+        <p:fade/>
+      </p:transition>
+    </mc:Choice>
+    <mc:Fallback>
+      <p:transition spd="med">
+        <p:fade/>
+      </p:transition>
+    </mc:Fallback>
+  </mc:AlternateContent>
 </p:sld>
 </file>
 
@@ -6667,6 +6794,18 @@
   <p:clrMapOvr>
     <a:masterClrMapping/>
   </p:clrMapOvr>
+  <mc:AlternateContent xmlns:mc="http://schemas.openxmlformats.org/markup-compatibility/2006">
+    <mc:Choice xmlns:p14="http://schemas.microsoft.com/office/powerpoint/2010/main" Requires="p14">
+      <p:transition spd="med" p14:dur="700">
+        <p:fade/>
+      </p:transition>
+    </mc:Choice>
+    <mc:Fallback>
+      <p:transition spd="med">
+        <p:fade/>
+      </p:transition>
+    </mc:Fallback>
+  </mc:AlternateContent>
 </p:sld>
 </file>
 
@@ -6733,6 +6872,18 @@
   <p:clrMapOvr>
     <a:masterClrMapping/>
   </p:clrMapOvr>
+  <mc:AlternateContent xmlns:mc="http://schemas.openxmlformats.org/markup-compatibility/2006">
+    <mc:Choice xmlns:p14="http://schemas.microsoft.com/office/powerpoint/2010/main" Requires="p14">
+      <p:transition spd="med" p14:dur="700">
+        <p:fade/>
+      </p:transition>
+    </mc:Choice>
+    <mc:Fallback>
+      <p:transition spd="med">
+        <p:fade/>
+      </p:transition>
+    </mc:Fallback>
+  </mc:AlternateContent>
 </p:sld>
 </file>
 
@@ -6883,7 +7034,7 @@
                 <a:ea typeface="Arial" pitchFamily="34" charset="-122"/>
                 <a:cs typeface="Arial" pitchFamily="34" charset="-120"/>
               </a:rPr>
-              <a:t> Protocol version 1</a:t>
+              <a:t> Protocol version 2</a:t>
             </a:r>
             <a:endParaRPr lang="en-US" sz="1350" dirty="0"/>
           </a:p>
@@ -7022,6 +7173,18 @@
   <p:clrMapOvr>
     <a:masterClrMapping/>
   </p:clrMapOvr>
+  <mc:AlternateContent xmlns:mc="http://schemas.openxmlformats.org/markup-compatibility/2006">
+    <mc:Choice xmlns:p14="http://schemas.microsoft.com/office/powerpoint/2010/main" Requires="p14">
+      <p:transition spd="med" p14:dur="700">
+        <p:fade/>
+      </p:transition>
+    </mc:Choice>
+    <mc:Fallback>
+      <p:transition spd="med">
+        <p:fade/>
+      </p:transition>
+    </mc:Fallback>
+  </mc:AlternateContent>
 </p:sld>
 </file>
 
@@ -7279,6 +7442,18 @@
   <p:clrMapOvr>
     <a:masterClrMapping/>
   </p:clrMapOvr>
+  <mc:AlternateContent xmlns:mc="http://schemas.openxmlformats.org/markup-compatibility/2006">
+    <mc:Choice xmlns:p14="http://schemas.microsoft.com/office/powerpoint/2010/main" Requires="p14">
+      <p:transition spd="med" p14:dur="700">
+        <p:fade/>
+      </p:transition>
+    </mc:Choice>
+    <mc:Fallback>
+      <p:transition spd="med">
+        <p:fade/>
+      </p:transition>
+    </mc:Fallback>
+  </mc:AlternateContent>
 </p:sld>
 </file>
 
@@ -7504,6 +7679,18 @@
   <p:clrMapOvr>
     <a:masterClrMapping/>
   </p:clrMapOvr>
+  <mc:AlternateContent xmlns:mc="http://schemas.openxmlformats.org/markup-compatibility/2006">
+    <mc:Choice xmlns:p14="http://schemas.microsoft.com/office/powerpoint/2010/main" Requires="p14">
+      <p:transition spd="med" p14:dur="700">
+        <p:fade/>
+      </p:transition>
+    </mc:Choice>
+    <mc:Fallback>
+      <p:transition spd="med">
+        <p:fade/>
+      </p:transition>
+    </mc:Fallback>
+  </mc:AlternateContent>
 </p:sld>
 </file>
 
@@ -7729,6 +7916,18 @@
   <p:clrMapOvr>
     <a:masterClrMapping/>
   </p:clrMapOvr>
+  <mc:AlternateContent xmlns:mc="http://schemas.openxmlformats.org/markup-compatibility/2006">
+    <mc:Choice xmlns:p14="http://schemas.microsoft.com/office/powerpoint/2010/main" Requires="p14">
+      <p:transition spd="med" p14:dur="700">
+        <p:fade/>
+      </p:transition>
+    </mc:Choice>
+    <mc:Fallback>
+      <p:transition spd="med">
+        <p:fade/>
+      </p:transition>
+    </mc:Fallback>
+  </mc:AlternateContent>
 </p:sld>
 </file>
 
@@ -7954,6 +8153,18 @@
   <p:clrMapOvr>
     <a:masterClrMapping/>
   </p:clrMapOvr>
+  <mc:AlternateContent xmlns:mc="http://schemas.openxmlformats.org/markup-compatibility/2006">
+    <mc:Choice xmlns:p14="http://schemas.microsoft.com/office/powerpoint/2010/main" Requires="p14">
+      <p:transition spd="med" p14:dur="700">
+        <p:fade/>
+      </p:transition>
+    </mc:Choice>
+    <mc:Fallback>
+      <p:transition spd="med">
+        <p:fade/>
+      </p:transition>
+    </mc:Fallback>
+  </mc:AlternateContent>
 </p:sld>
 </file>
 
